--- a/Home Credit Indonesia/Maulana Kavaldo - Home Credit.pptx
+++ b/Home Credit Indonesia/Maulana Kavaldo - Home Credit.pptx
@@ -6662,56 +6662,56 @@
           <p:nvPr>
             <p:extLst>
               <p:ext uri="{D42A27DB-BD31-4B8C-83A1-F6EECF244321}">
-                <p14:modId xmlns:p14="http://schemas.microsoft.com/office/powerpoint/2010/main" val="3203632917"/>
+                <p14:modId xmlns:p14="http://schemas.microsoft.com/office/powerpoint/2010/main" val="2304170054"/>
               </p:ext>
             </p:extLst>
           </p:nvPr>
         </p:nvGraphicFramePr>
         <p:xfrm>
-          <a:off x="535745" y="1216825"/>
-          <a:ext cx="7541454" cy="3954577"/>
+          <a:off x="365760" y="1216825"/>
+          <a:ext cx="7711439" cy="4212387"/>
         </p:xfrm>
         <a:graphic>
           <a:graphicData uri="http://schemas.openxmlformats.org/drawingml/2006/table">
             <a:tbl>
               <a:tblPr firstRow="1" bandRow="1"/>
               <a:tblGrid>
-                <a:gridCol w="1017528">
+                <a:gridCol w="1168400">
                   <a:extLst>
                     <a:ext uri="{9D8B030D-6E8A-4147-A177-3AD203B41FA5}">
                       <a16:colId xmlns:a16="http://schemas.microsoft.com/office/drawing/2014/main" val="2862107671"/>
                     </a:ext>
                   </a:extLst>
                 </a:gridCol>
-                <a:gridCol w="1597478">
+                <a:gridCol w="1505548">
                   <a:extLst>
                     <a:ext uri="{9D8B030D-6E8A-4147-A177-3AD203B41FA5}">
                       <a16:colId xmlns:a16="http://schemas.microsoft.com/office/drawing/2014/main" val="1921200185"/>
                     </a:ext>
                   </a:extLst>
                 </a:gridCol>
-                <a:gridCol w="1360549">
+                <a:gridCol w="1391216">
                   <a:extLst>
                     <a:ext uri="{9D8B030D-6E8A-4147-A177-3AD203B41FA5}">
                       <a16:colId xmlns:a16="http://schemas.microsoft.com/office/drawing/2014/main" val="1422612065"/>
                     </a:ext>
                   </a:extLst>
                 </a:gridCol>
-                <a:gridCol w="1083790">
+                <a:gridCol w="1108219">
                   <a:extLst>
                     <a:ext uri="{9D8B030D-6E8A-4147-A177-3AD203B41FA5}">
                       <a16:colId xmlns:a16="http://schemas.microsoft.com/office/drawing/2014/main" val="1407084548"/>
                     </a:ext>
                   </a:extLst>
                 </a:gridCol>
-                <a:gridCol w="1424874">
+                <a:gridCol w="1456991">
                   <a:extLst>
                     <a:ext uri="{9D8B030D-6E8A-4147-A177-3AD203B41FA5}">
                       <a16:colId xmlns:a16="http://schemas.microsoft.com/office/drawing/2014/main" val="2756554219"/>
                     </a:ext>
                   </a:extLst>
                 </a:gridCol>
-                <a:gridCol w="1057235">
+                <a:gridCol w="1081065">
                   <a:extLst>
                     <a:ext uri="{9D8B030D-6E8A-4147-A177-3AD203B41FA5}">
                       <a16:colId xmlns:a16="http://schemas.microsoft.com/office/drawing/2014/main" val="674512111"/>
@@ -6719,7 +6719,7 @@
                   </a:extLst>
                 </a:gridCol>
               </a:tblGrid>
-              <a:tr h="291475">
+              <a:tr h="278458">
                 <a:tc rowSpan="2">
                   <a:txBody>
                     <a:bodyPr/>
@@ -7455,7 +7455,7 @@
                   </a:ext>
                 </a:extLst>
               </a:tr>
-              <a:tr h="515686">
+              <a:tr h="366187">
                 <a:tc vMerge="1">
                   <a:txBody>
                     <a:bodyPr/>
@@ -8260,7 +8260,7 @@
                   </a:ext>
                 </a:extLst>
               </a:tr>
-              <a:tr h="291475">
+              <a:tr h="278458">
                 <a:tc rowSpan="2">
                   <a:txBody>
                     <a:bodyPr/>
@@ -9211,7 +9211,7 @@
                   </a:ext>
                 </a:extLst>
               </a:tr>
-              <a:tr h="739897">
+              <a:tr h="525400">
                 <a:tc vMerge="1">
                   <a:txBody>
                     <a:bodyPr/>
@@ -10022,7 +10022,7 @@
                   </a:ext>
                 </a:extLst>
               </a:tr>
-              <a:tr h="291475">
+              <a:tr h="278458">
                 <a:tc rowSpan="2">
                   <a:txBody>
                     <a:bodyPr/>
@@ -10953,7 +10953,7 @@
                   </a:ext>
                 </a:extLst>
               </a:tr>
-              <a:tr h="739897">
+              <a:tr h="525400">
                 <a:tc vMerge="1">
                   <a:txBody>
                     <a:bodyPr/>
@@ -11764,7 +11764,7 @@
                   </a:ext>
                 </a:extLst>
               </a:tr>
-              <a:tr h="291475">
+              <a:tr h="278458">
                 <a:tc rowSpan="2">
                   <a:txBody>
                     <a:bodyPr/>
@@ -12713,7 +12713,7 @@
                   </a:ext>
                 </a:extLst>
               </a:tr>
-              <a:tr h="739897">
+              <a:tr h="525400">
                 <a:tc vMerge="1">
                   <a:txBody>
                     <a:bodyPr/>
@@ -13477,6 +13477,1194 @@
                 <a:extLst>
                   <a:ext uri="{0D108BD9-81ED-4DB2-BD59-A6C34878D82A}">
                     <a16:rowId xmlns:a16="http://schemas.microsoft.com/office/drawing/2014/main" val="3857047714"/>
+                  </a:ext>
+                </a:extLst>
+              </a:tr>
+              <a:tr h="525400">
+                <a:tc rowSpan="2">
+                  <a:txBody>
+                    <a:bodyPr/>
+                    <a:lstStyle/>
+                    <a:p>
+                      <a:pPr marL="0" marR="0" lvl="0" indent="0" algn="ctr" defTabSz="914400" rtl="0" eaLnBrk="1" fontAlgn="auto" latinLnBrk="0" hangingPunct="1">
+                        <a:lnSpc>
+                          <a:spcPct val="100000"/>
+                        </a:lnSpc>
+                        <a:spcBef>
+                          <a:spcPts val="0"/>
+                        </a:spcBef>
+                        <a:spcAft>
+                          <a:spcPts val="0"/>
+                        </a:spcAft>
+                        <a:buClr>
+                          <a:srgbClr val="000000"/>
+                        </a:buClr>
+                        <a:buSzTx/>
+                        <a:buFont typeface="Arial"/>
+                        <a:buNone/>
+                        <a:tabLst/>
+                        <a:defRPr/>
+                      </a:pPr>
+                      <a:r>
+                        <a:rPr lang="en-US" sz="1400" b="0" i="0" u="none" strike="noStrike" cap="none" dirty="0">
+                          <a:solidFill>
+                            <a:srgbClr val="191919"/>
+                          </a:solidFill>
+                          <a:latin typeface="Fira Sans Medium"/>
+                          <a:sym typeface="Arial"/>
+                        </a:rPr>
+                        <a:t>Logistic Regression</a:t>
+                      </a:r>
+                      <a:endParaRPr lang="id-ID" sz="1400" b="0" i="0" u="none" strike="noStrike" cap="none" dirty="0">
+                        <a:solidFill>
+                          <a:srgbClr val="191919"/>
+                        </a:solidFill>
+                        <a:latin typeface="Fira Sans Medium"/>
+                        <a:sym typeface="Arial"/>
+                      </a:endParaRPr>
+                    </a:p>
+                  </a:txBody>
+                  <a:tcPr anchor="ctr">
+                    <a:lnL w="38100" cap="flat" cmpd="sng" algn="ctr">
+                      <a:solidFill>
+                        <a:sysClr val="windowText" lastClr="000000"/>
+                      </a:solidFill>
+                      <a:prstDash val="solid"/>
+                      <a:round/>
+                      <a:headEnd type="none" w="med" len="med"/>
+                      <a:tailEnd type="none" w="med" len="med"/>
+                    </a:lnL>
+                    <a:lnR w="38100" cap="flat" cmpd="sng" algn="ctr">
+                      <a:solidFill>
+                        <a:sysClr val="windowText" lastClr="000000"/>
+                      </a:solidFill>
+                      <a:prstDash val="solid"/>
+                      <a:round/>
+                      <a:headEnd type="none" w="med" len="med"/>
+                      <a:tailEnd type="none" w="med" len="med"/>
+                    </a:lnR>
+                    <a:lnT w="38100" cap="flat" cmpd="sng" algn="ctr">
+                      <a:solidFill>
+                        <a:sysClr val="windowText" lastClr="000000"/>
+                      </a:solidFill>
+                      <a:prstDash val="solid"/>
+                      <a:round/>
+                      <a:headEnd type="none" w="med" len="med"/>
+                      <a:tailEnd type="none" w="med" len="med"/>
+                    </a:lnT>
+                    <a:lnB w="38100" cap="flat" cmpd="sng" algn="ctr">
+                      <a:solidFill>
+                        <a:sysClr val="windowText" lastClr="000000"/>
+                      </a:solidFill>
+                      <a:prstDash val="solid"/>
+                      <a:round/>
+                      <a:headEnd type="none" w="med" len="med"/>
+                      <a:tailEnd type="none" w="med" len="med"/>
+                    </a:lnB>
+                    <a:lnTlToBr w="12700" cmpd="sng">
+                      <a:noFill/>
+                      <a:prstDash val="solid"/>
+                    </a:lnTlToBr>
+                    <a:lnBlToTr w="12700" cmpd="sng">
+                      <a:noFill/>
+                      <a:prstDash val="solid"/>
+                    </a:lnBlToTr>
+                    <a:solidFill>
+                      <a:sysClr val="window" lastClr="FFFFFF"/>
+                    </a:solidFill>
+                  </a:tcPr>
+                </a:tc>
+                <a:tc>
+                  <a:txBody>
+                    <a:bodyPr/>
+                    <a:lstStyle>
+                      <a:lvl1pPr marL="0" algn="l" defTabSz="914400" rtl="0" eaLnBrk="1" latinLnBrk="0" hangingPunct="1">
+                        <a:defRPr sz="1800" kern="1200">
+                          <a:solidFill>
+                            <a:schemeClr val="dk1"/>
+                          </a:solidFill>
+                          <a:latin typeface="Arial"/>
+                        </a:defRPr>
+                      </a:lvl1pPr>
+                      <a:lvl2pPr marL="457200" algn="l" defTabSz="914400" rtl="0" eaLnBrk="1" latinLnBrk="0" hangingPunct="1">
+                        <a:defRPr sz="1800" kern="1200">
+                          <a:solidFill>
+                            <a:schemeClr val="dk1"/>
+                          </a:solidFill>
+                          <a:latin typeface="Arial"/>
+                        </a:defRPr>
+                      </a:lvl2pPr>
+                      <a:lvl3pPr marL="914400" algn="l" defTabSz="914400" rtl="0" eaLnBrk="1" latinLnBrk="0" hangingPunct="1">
+                        <a:defRPr sz="1800" kern="1200">
+                          <a:solidFill>
+                            <a:schemeClr val="dk1"/>
+                          </a:solidFill>
+                          <a:latin typeface="Arial"/>
+                        </a:defRPr>
+                      </a:lvl3pPr>
+                      <a:lvl4pPr marL="1371600" algn="l" defTabSz="914400" rtl="0" eaLnBrk="1" latinLnBrk="0" hangingPunct="1">
+                        <a:defRPr sz="1800" kern="1200">
+                          <a:solidFill>
+                            <a:schemeClr val="dk1"/>
+                          </a:solidFill>
+                          <a:latin typeface="Arial"/>
+                        </a:defRPr>
+                      </a:lvl4pPr>
+                      <a:lvl5pPr marL="1828800" algn="l" defTabSz="914400" rtl="0" eaLnBrk="1" latinLnBrk="0" hangingPunct="1">
+                        <a:defRPr sz="1800" kern="1200">
+                          <a:solidFill>
+                            <a:schemeClr val="dk1"/>
+                          </a:solidFill>
+                          <a:latin typeface="Arial"/>
+                        </a:defRPr>
+                      </a:lvl5pPr>
+                      <a:lvl6pPr marL="2286000" algn="l" defTabSz="914400" rtl="0" eaLnBrk="1" latinLnBrk="0" hangingPunct="1">
+                        <a:defRPr sz="1800" kern="1200">
+                          <a:solidFill>
+                            <a:schemeClr val="dk1"/>
+                          </a:solidFill>
+                          <a:latin typeface="Arial"/>
+                        </a:defRPr>
+                      </a:lvl6pPr>
+                      <a:lvl7pPr marL="2743200" algn="l" defTabSz="914400" rtl="0" eaLnBrk="1" latinLnBrk="0" hangingPunct="1">
+                        <a:defRPr sz="1800" kern="1200">
+                          <a:solidFill>
+                            <a:schemeClr val="dk1"/>
+                          </a:solidFill>
+                          <a:latin typeface="Arial"/>
+                        </a:defRPr>
+                      </a:lvl7pPr>
+                      <a:lvl8pPr marL="3200400" algn="l" defTabSz="914400" rtl="0" eaLnBrk="1" latinLnBrk="0" hangingPunct="1">
+                        <a:defRPr sz="1800" kern="1200">
+                          <a:solidFill>
+                            <a:schemeClr val="dk1"/>
+                          </a:solidFill>
+                          <a:latin typeface="Arial"/>
+                        </a:defRPr>
+                      </a:lvl8pPr>
+                      <a:lvl9pPr marL="3657600" algn="l" defTabSz="914400" rtl="0" eaLnBrk="1" latinLnBrk="0" hangingPunct="1">
+                        <a:defRPr sz="1800" kern="1200">
+                          <a:solidFill>
+                            <a:schemeClr val="dk1"/>
+                          </a:solidFill>
+                          <a:latin typeface="Arial"/>
+                        </a:defRPr>
+                      </a:lvl9pPr>
+                    </a:lstStyle>
+                    <a:p>
+                      <a:pPr marL="0" marR="0" lvl="0" indent="0" algn="ctr" defTabSz="914400" rtl="0" eaLnBrk="1" fontAlgn="auto" latinLnBrk="0" hangingPunct="1">
+                        <a:lnSpc>
+                          <a:spcPct val="100000"/>
+                        </a:lnSpc>
+                        <a:spcBef>
+                          <a:spcPts val="0"/>
+                        </a:spcBef>
+                        <a:spcAft>
+                          <a:spcPts val="0"/>
+                        </a:spcAft>
+                        <a:buClr>
+                          <a:srgbClr val="000000"/>
+                        </a:buClr>
+                        <a:buSzTx/>
+                        <a:buFont typeface="Arial"/>
+                        <a:buNone/>
+                        <a:tabLst/>
+                        <a:defRPr/>
+                      </a:pPr>
+                      <a:r>
+                        <a:rPr lang="en-US" sz="1400" b="0" i="0" u="none" strike="noStrike" cap="none" dirty="0">
+                          <a:solidFill>
+                            <a:srgbClr val="191919"/>
+                          </a:solidFill>
+                          <a:latin typeface="Fira Sans Medium"/>
+                          <a:sym typeface="Arial"/>
+                        </a:rPr>
+                        <a:t>Original Data</a:t>
+                      </a:r>
+                      <a:endParaRPr lang="id-ID" sz="1400" b="0" i="0" u="none" strike="noStrike" cap="none" dirty="0">
+                        <a:solidFill>
+                          <a:srgbClr val="191919"/>
+                        </a:solidFill>
+                        <a:latin typeface="Fira Sans Medium"/>
+                        <a:sym typeface="Arial"/>
+                      </a:endParaRPr>
+                    </a:p>
+                  </a:txBody>
+                  <a:tcPr anchor="ctr">
+                    <a:lnL w="38100" cap="flat" cmpd="sng" algn="ctr">
+                      <a:solidFill>
+                        <a:sysClr val="windowText" lastClr="000000"/>
+                      </a:solidFill>
+                      <a:prstDash val="solid"/>
+                      <a:round/>
+                      <a:headEnd type="none" w="med" len="med"/>
+                      <a:tailEnd type="none" w="med" len="med"/>
+                    </a:lnL>
+                    <a:lnR w="38100" cap="flat" cmpd="sng" algn="ctr">
+                      <a:solidFill>
+                        <a:sysClr val="windowText" lastClr="000000"/>
+                      </a:solidFill>
+                      <a:prstDash val="solid"/>
+                      <a:round/>
+                      <a:headEnd type="none" w="med" len="med"/>
+                      <a:tailEnd type="none" w="med" len="med"/>
+                    </a:lnR>
+                    <a:lnT w="38100" cap="flat" cmpd="sng" algn="ctr">
+                      <a:solidFill>
+                        <a:sysClr val="windowText" lastClr="000000"/>
+                      </a:solidFill>
+                      <a:prstDash val="solid"/>
+                      <a:round/>
+                      <a:headEnd type="none" w="med" len="med"/>
+                      <a:tailEnd type="none" w="med" len="med"/>
+                    </a:lnT>
+                    <a:lnB w="38100" cap="flat" cmpd="sng" algn="ctr">
+                      <a:solidFill>
+                        <a:sysClr val="windowText" lastClr="000000"/>
+                      </a:solidFill>
+                      <a:prstDash val="solid"/>
+                      <a:round/>
+                      <a:headEnd type="none" w="med" len="med"/>
+                      <a:tailEnd type="none" w="med" len="med"/>
+                    </a:lnB>
+                    <a:lnTlToBr w="12700" cmpd="sng">
+                      <a:noFill/>
+                      <a:prstDash val="solid"/>
+                    </a:lnTlToBr>
+                    <a:lnBlToTr w="12700" cmpd="sng">
+                      <a:noFill/>
+                      <a:prstDash val="solid"/>
+                    </a:lnBlToTr>
+                    <a:solidFill>
+                      <a:sysClr val="windowText" lastClr="000000">
+                        <a:tint val="20000"/>
+                      </a:sysClr>
+                    </a:solidFill>
+                  </a:tcPr>
+                </a:tc>
+                <a:tc>
+                  <a:txBody>
+                    <a:bodyPr/>
+                    <a:lstStyle/>
+                    <a:p>
+                      <a:pPr algn="ctr"/>
+                      <a:r>
+                        <a:rPr lang="en-US" sz="1400" b="0" i="0" u="none" strike="noStrike" cap="none" dirty="0">
+                          <a:solidFill>
+                            <a:srgbClr val="191919"/>
+                          </a:solidFill>
+                          <a:latin typeface="Fira Sans Medium"/>
+                          <a:sym typeface="Arial"/>
+                        </a:rPr>
+                        <a:t>92</a:t>
+                      </a:r>
+                      <a:endParaRPr lang="id-ID" sz="1400" b="0" i="0" u="none" strike="noStrike" cap="none" dirty="0">
+                        <a:solidFill>
+                          <a:srgbClr val="191919"/>
+                        </a:solidFill>
+                        <a:latin typeface="Fira Sans Medium"/>
+                        <a:sym typeface="Arial"/>
+                      </a:endParaRPr>
+                    </a:p>
+                  </a:txBody>
+                  <a:tcPr anchor="ctr">
+                    <a:lnL w="38100" cap="flat" cmpd="sng" algn="ctr">
+                      <a:solidFill>
+                        <a:sysClr val="windowText" lastClr="000000"/>
+                      </a:solidFill>
+                      <a:prstDash val="solid"/>
+                      <a:round/>
+                      <a:headEnd type="none" w="med" len="med"/>
+                      <a:tailEnd type="none" w="med" len="med"/>
+                    </a:lnL>
+                    <a:lnR w="38100" cap="flat" cmpd="sng" algn="ctr">
+                      <a:solidFill>
+                        <a:sysClr val="windowText" lastClr="000000"/>
+                      </a:solidFill>
+                      <a:prstDash val="solid"/>
+                      <a:round/>
+                      <a:headEnd type="none" w="med" len="med"/>
+                      <a:tailEnd type="none" w="med" len="med"/>
+                    </a:lnR>
+                    <a:lnT w="38100" cap="flat" cmpd="sng" algn="ctr">
+                      <a:solidFill>
+                        <a:sysClr val="windowText" lastClr="000000"/>
+                      </a:solidFill>
+                      <a:prstDash val="solid"/>
+                      <a:round/>
+                      <a:headEnd type="none" w="med" len="med"/>
+                      <a:tailEnd type="none" w="med" len="med"/>
+                    </a:lnT>
+                    <a:lnB w="38100" cap="flat" cmpd="sng" algn="ctr">
+                      <a:solidFill>
+                        <a:sysClr val="windowText" lastClr="000000"/>
+                      </a:solidFill>
+                      <a:prstDash val="solid"/>
+                      <a:round/>
+                      <a:headEnd type="none" w="med" len="med"/>
+                      <a:tailEnd type="none" w="med" len="med"/>
+                    </a:lnB>
+                    <a:lnTlToBr w="12700" cmpd="sng">
+                      <a:noFill/>
+                      <a:prstDash val="solid"/>
+                    </a:lnTlToBr>
+                    <a:lnBlToTr w="12700" cmpd="sng">
+                      <a:noFill/>
+                      <a:prstDash val="solid"/>
+                    </a:lnBlToTr>
+                    <a:solidFill>
+                      <a:sysClr val="windowText" lastClr="000000">
+                        <a:tint val="20000"/>
+                      </a:sysClr>
+                    </a:solidFill>
+                  </a:tcPr>
+                </a:tc>
+                <a:tc>
+                  <a:txBody>
+                    <a:bodyPr/>
+                    <a:lstStyle/>
+                    <a:p>
+                      <a:pPr marL="0" marR="0" lvl="0" indent="0" algn="ctr" defTabSz="914400" rtl="0" eaLnBrk="1" fontAlgn="auto" latinLnBrk="0" hangingPunct="1">
+                        <a:lnSpc>
+                          <a:spcPct val="100000"/>
+                        </a:lnSpc>
+                        <a:spcBef>
+                          <a:spcPts val="0"/>
+                        </a:spcBef>
+                        <a:spcAft>
+                          <a:spcPts val="0"/>
+                        </a:spcAft>
+                        <a:buClrTx/>
+                        <a:buSzTx/>
+                        <a:buFontTx/>
+                        <a:buNone/>
+                        <a:tabLst/>
+                        <a:defRPr/>
+                      </a:pPr>
+                      <a:r>
+                        <a:rPr lang="en-US" sz="1400" b="0" i="0" u="none" strike="noStrike" cap="none" dirty="0">
+                          <a:solidFill>
+                            <a:srgbClr val="191919"/>
+                          </a:solidFill>
+                          <a:latin typeface="Fira Sans Medium"/>
+                          <a:sym typeface="Arial"/>
+                        </a:rPr>
+                        <a:t>100</a:t>
+                      </a:r>
+                      <a:endParaRPr lang="id-ID" sz="1400" b="0" i="0" u="none" strike="noStrike" cap="none" dirty="0">
+                        <a:solidFill>
+                          <a:srgbClr val="191919"/>
+                        </a:solidFill>
+                        <a:latin typeface="Fira Sans Medium"/>
+                        <a:sym typeface="Arial"/>
+                      </a:endParaRPr>
+                    </a:p>
+                  </a:txBody>
+                  <a:tcPr anchor="ctr">
+                    <a:lnL w="38100" cap="flat" cmpd="sng" algn="ctr">
+                      <a:solidFill>
+                        <a:sysClr val="windowText" lastClr="000000"/>
+                      </a:solidFill>
+                      <a:prstDash val="solid"/>
+                      <a:round/>
+                      <a:headEnd type="none" w="med" len="med"/>
+                      <a:tailEnd type="none" w="med" len="med"/>
+                    </a:lnL>
+                    <a:lnR w="38100" cap="flat" cmpd="sng" algn="ctr">
+                      <a:solidFill>
+                        <a:sysClr val="windowText" lastClr="000000"/>
+                      </a:solidFill>
+                      <a:prstDash val="solid"/>
+                      <a:round/>
+                      <a:headEnd type="none" w="med" len="med"/>
+                      <a:tailEnd type="none" w="med" len="med"/>
+                    </a:lnR>
+                    <a:lnT w="38100" cap="flat" cmpd="sng" algn="ctr">
+                      <a:solidFill>
+                        <a:sysClr val="windowText" lastClr="000000"/>
+                      </a:solidFill>
+                      <a:prstDash val="solid"/>
+                      <a:round/>
+                      <a:headEnd type="none" w="med" len="med"/>
+                      <a:tailEnd type="none" w="med" len="med"/>
+                    </a:lnT>
+                    <a:lnB w="38100" cap="flat" cmpd="sng" algn="ctr">
+                      <a:solidFill>
+                        <a:sysClr val="windowText" lastClr="000000"/>
+                      </a:solidFill>
+                      <a:prstDash val="solid"/>
+                      <a:round/>
+                      <a:headEnd type="none" w="med" len="med"/>
+                      <a:tailEnd type="none" w="med" len="med"/>
+                    </a:lnB>
+                    <a:lnTlToBr w="12700" cmpd="sng">
+                      <a:noFill/>
+                      <a:prstDash val="solid"/>
+                    </a:lnTlToBr>
+                    <a:lnBlToTr w="12700" cmpd="sng">
+                      <a:noFill/>
+                      <a:prstDash val="solid"/>
+                    </a:lnBlToTr>
+                    <a:solidFill>
+                      <a:sysClr val="windowText" lastClr="000000">
+                        <a:tint val="20000"/>
+                      </a:sysClr>
+                    </a:solidFill>
+                  </a:tcPr>
+                </a:tc>
+                <a:tc>
+                  <a:txBody>
+                    <a:bodyPr/>
+                    <a:lstStyle/>
+                    <a:p>
+                      <a:pPr algn="ctr"/>
+                      <a:r>
+                        <a:rPr lang="en-US" sz="1400" b="0" i="0" u="none" strike="noStrike" cap="none" dirty="0">
+                          <a:solidFill>
+                            <a:srgbClr val="191919"/>
+                          </a:solidFill>
+                          <a:latin typeface="Fira Sans Medium"/>
+                          <a:sym typeface="Arial"/>
+                        </a:rPr>
+                        <a:t>92</a:t>
+                      </a:r>
+                      <a:endParaRPr lang="id-ID" sz="1400" b="0" i="0" u="none" strike="noStrike" cap="none" dirty="0">
+                        <a:solidFill>
+                          <a:srgbClr val="191919"/>
+                        </a:solidFill>
+                        <a:latin typeface="Fira Sans Medium"/>
+                        <a:sym typeface="Arial"/>
+                      </a:endParaRPr>
+                    </a:p>
+                  </a:txBody>
+                  <a:tcPr anchor="ctr">
+                    <a:lnL w="38100" cap="flat" cmpd="sng" algn="ctr">
+                      <a:solidFill>
+                        <a:sysClr val="windowText" lastClr="000000"/>
+                      </a:solidFill>
+                      <a:prstDash val="solid"/>
+                      <a:round/>
+                      <a:headEnd type="none" w="med" len="med"/>
+                      <a:tailEnd type="none" w="med" len="med"/>
+                    </a:lnL>
+                    <a:lnR w="38100" cap="flat" cmpd="sng" algn="ctr">
+                      <a:solidFill>
+                        <a:sysClr val="windowText" lastClr="000000"/>
+                      </a:solidFill>
+                      <a:prstDash val="solid"/>
+                      <a:round/>
+                      <a:headEnd type="none" w="med" len="med"/>
+                      <a:tailEnd type="none" w="med" len="med"/>
+                    </a:lnR>
+                    <a:lnT w="38100" cap="flat" cmpd="sng" algn="ctr">
+                      <a:solidFill>
+                        <a:sysClr val="windowText" lastClr="000000"/>
+                      </a:solidFill>
+                      <a:prstDash val="solid"/>
+                      <a:round/>
+                      <a:headEnd type="none" w="med" len="med"/>
+                      <a:tailEnd type="none" w="med" len="med"/>
+                    </a:lnT>
+                    <a:lnB w="38100" cap="flat" cmpd="sng" algn="ctr">
+                      <a:solidFill>
+                        <a:sysClr val="windowText" lastClr="000000"/>
+                      </a:solidFill>
+                      <a:prstDash val="solid"/>
+                      <a:round/>
+                      <a:headEnd type="none" w="med" len="med"/>
+                      <a:tailEnd type="none" w="med" len="med"/>
+                    </a:lnB>
+                    <a:lnTlToBr w="12700" cmpd="sng">
+                      <a:noFill/>
+                      <a:prstDash val="solid"/>
+                    </a:lnTlToBr>
+                    <a:lnBlToTr w="12700" cmpd="sng">
+                      <a:noFill/>
+                      <a:prstDash val="solid"/>
+                    </a:lnBlToTr>
+                    <a:solidFill>
+                      <a:sysClr val="windowText" lastClr="000000">
+                        <a:tint val="20000"/>
+                      </a:sysClr>
+                    </a:solidFill>
+                  </a:tcPr>
+                </a:tc>
+                <a:tc>
+                  <a:txBody>
+                    <a:bodyPr/>
+                    <a:lstStyle/>
+                    <a:p>
+                      <a:pPr marL="0" marR="0" lvl="0" indent="0" algn="ctr" defTabSz="914400" rtl="0" eaLnBrk="1" fontAlgn="auto" latinLnBrk="0" hangingPunct="1">
+                        <a:lnSpc>
+                          <a:spcPct val="100000"/>
+                        </a:lnSpc>
+                        <a:spcBef>
+                          <a:spcPts val="0"/>
+                        </a:spcBef>
+                        <a:spcAft>
+                          <a:spcPts val="0"/>
+                        </a:spcAft>
+                        <a:buClrTx/>
+                        <a:buSzTx/>
+                        <a:buFontTx/>
+                        <a:buNone/>
+                        <a:tabLst/>
+                        <a:defRPr/>
+                      </a:pPr>
+                      <a:r>
+                        <a:rPr lang="en-US" sz="1400" b="0" i="0" u="none" strike="noStrike" cap="none" dirty="0">
+                          <a:solidFill>
+                            <a:srgbClr val="191919"/>
+                          </a:solidFill>
+                          <a:latin typeface="Fira Sans Medium"/>
+                          <a:sym typeface="Arial"/>
+                        </a:rPr>
+                        <a:t>100</a:t>
+                      </a:r>
+                      <a:endParaRPr lang="id-ID" sz="1400" b="0" i="0" u="none" strike="noStrike" cap="none" dirty="0">
+                        <a:solidFill>
+                          <a:srgbClr val="191919"/>
+                        </a:solidFill>
+                        <a:latin typeface="Fira Sans Medium"/>
+                        <a:sym typeface="Arial"/>
+                      </a:endParaRPr>
+                    </a:p>
+                  </a:txBody>
+                  <a:tcPr anchor="ctr">
+                    <a:lnL w="38100" cap="flat" cmpd="sng" algn="ctr">
+                      <a:solidFill>
+                        <a:sysClr val="windowText" lastClr="000000"/>
+                      </a:solidFill>
+                      <a:prstDash val="solid"/>
+                      <a:round/>
+                      <a:headEnd type="none" w="med" len="med"/>
+                      <a:tailEnd type="none" w="med" len="med"/>
+                    </a:lnL>
+                    <a:lnR w="38100" cap="flat" cmpd="sng" algn="ctr">
+                      <a:solidFill>
+                        <a:sysClr val="windowText" lastClr="000000"/>
+                      </a:solidFill>
+                      <a:prstDash val="solid"/>
+                      <a:round/>
+                      <a:headEnd type="none" w="med" len="med"/>
+                      <a:tailEnd type="none" w="med" len="med"/>
+                    </a:lnR>
+                    <a:lnT w="38100" cap="flat" cmpd="sng" algn="ctr">
+                      <a:solidFill>
+                        <a:sysClr val="windowText" lastClr="000000"/>
+                      </a:solidFill>
+                      <a:prstDash val="solid"/>
+                      <a:round/>
+                      <a:headEnd type="none" w="med" len="med"/>
+                      <a:tailEnd type="none" w="med" len="med"/>
+                    </a:lnT>
+                    <a:lnB w="38100" cap="flat" cmpd="sng" algn="ctr">
+                      <a:solidFill>
+                        <a:sysClr val="windowText" lastClr="000000"/>
+                      </a:solidFill>
+                      <a:prstDash val="solid"/>
+                      <a:round/>
+                      <a:headEnd type="none" w="med" len="med"/>
+                      <a:tailEnd type="none" w="med" len="med"/>
+                    </a:lnB>
+                    <a:lnTlToBr w="12700" cmpd="sng">
+                      <a:noFill/>
+                      <a:prstDash val="solid"/>
+                    </a:lnTlToBr>
+                    <a:lnBlToTr w="12700" cmpd="sng">
+                      <a:noFill/>
+                      <a:prstDash val="solid"/>
+                    </a:lnBlToTr>
+                    <a:solidFill>
+                      <a:sysClr val="windowText" lastClr="000000">
+                        <a:tint val="20000"/>
+                      </a:sysClr>
+                    </a:solidFill>
+                  </a:tcPr>
+                </a:tc>
+                <a:extLst>
+                  <a:ext uri="{0D108BD9-81ED-4DB2-BD59-A6C34878D82A}">
+                    <a16:rowId xmlns:a16="http://schemas.microsoft.com/office/drawing/2014/main" val="694603462"/>
+                  </a:ext>
+                </a:extLst>
+              </a:tr>
+              <a:tr h="525400">
+                <a:tc vMerge="1">
+                  <a:txBody>
+                    <a:bodyPr/>
+                    <a:lstStyle/>
+                    <a:p>
+                      <a:pPr marL="0" marR="0" lvl="0" indent="0" algn="ctr" defTabSz="914400" rtl="0" eaLnBrk="1" fontAlgn="auto" latinLnBrk="0" hangingPunct="1">
+                        <a:lnSpc>
+                          <a:spcPct val="100000"/>
+                        </a:lnSpc>
+                        <a:spcBef>
+                          <a:spcPts val="0"/>
+                        </a:spcBef>
+                        <a:spcAft>
+                          <a:spcPts val="0"/>
+                        </a:spcAft>
+                        <a:buClr>
+                          <a:srgbClr val="000000"/>
+                        </a:buClr>
+                        <a:buSzTx/>
+                        <a:buFont typeface="Arial"/>
+                        <a:buNone/>
+                        <a:tabLst/>
+                        <a:defRPr/>
+                      </a:pPr>
+                      <a:endParaRPr lang="id-ID" sz="1400" b="0" i="0" u="none" strike="noStrike" cap="none" dirty="0">
+                        <a:solidFill>
+                          <a:srgbClr val="191919"/>
+                        </a:solidFill>
+                        <a:latin typeface="Fira Sans Medium"/>
+                        <a:sym typeface="Arial"/>
+                      </a:endParaRPr>
+                    </a:p>
+                  </a:txBody>
+                  <a:tcPr anchor="ctr">
+                    <a:lnL w="38100" cap="flat" cmpd="sng" algn="ctr">
+                      <a:solidFill>
+                        <a:sysClr val="windowText" lastClr="000000"/>
+                      </a:solidFill>
+                      <a:prstDash val="solid"/>
+                      <a:round/>
+                      <a:headEnd type="none" w="med" len="med"/>
+                      <a:tailEnd type="none" w="med" len="med"/>
+                    </a:lnL>
+                    <a:lnR w="38100" cap="flat" cmpd="sng" algn="ctr">
+                      <a:solidFill>
+                        <a:sysClr val="windowText" lastClr="000000"/>
+                      </a:solidFill>
+                      <a:prstDash val="solid"/>
+                      <a:round/>
+                      <a:headEnd type="none" w="med" len="med"/>
+                      <a:tailEnd type="none" w="med" len="med"/>
+                    </a:lnR>
+                    <a:lnT w="38100" cap="flat" cmpd="sng" algn="ctr">
+                      <a:solidFill>
+                        <a:sysClr val="windowText" lastClr="000000"/>
+                      </a:solidFill>
+                      <a:prstDash val="solid"/>
+                      <a:round/>
+                      <a:headEnd type="none" w="med" len="med"/>
+                      <a:tailEnd type="none" w="med" len="med"/>
+                    </a:lnT>
+                    <a:lnB w="38100" cap="flat" cmpd="sng" algn="ctr">
+                      <a:solidFill>
+                        <a:sysClr val="windowText" lastClr="000000"/>
+                      </a:solidFill>
+                      <a:prstDash val="solid"/>
+                      <a:round/>
+                      <a:headEnd type="none" w="med" len="med"/>
+                      <a:tailEnd type="none" w="med" len="med"/>
+                    </a:lnB>
+                    <a:lnTlToBr w="12700" cmpd="sng">
+                      <a:noFill/>
+                      <a:prstDash val="solid"/>
+                    </a:lnTlToBr>
+                    <a:lnBlToTr w="12700" cmpd="sng">
+                      <a:noFill/>
+                      <a:prstDash val="solid"/>
+                    </a:lnBlToTr>
+                    <a:solidFill>
+                      <a:sysClr val="window" lastClr="FFFFFF"/>
+                    </a:solidFill>
+                  </a:tcPr>
+                </a:tc>
+                <a:tc>
+                  <a:txBody>
+                    <a:bodyPr/>
+                    <a:lstStyle>
+                      <a:lvl1pPr marL="0" algn="l" defTabSz="914400" rtl="0" eaLnBrk="1" latinLnBrk="0" hangingPunct="1">
+                        <a:defRPr sz="1800" kern="1200">
+                          <a:solidFill>
+                            <a:schemeClr val="dk1"/>
+                          </a:solidFill>
+                          <a:latin typeface="Arial"/>
+                        </a:defRPr>
+                      </a:lvl1pPr>
+                      <a:lvl2pPr marL="457200" algn="l" defTabSz="914400" rtl="0" eaLnBrk="1" latinLnBrk="0" hangingPunct="1">
+                        <a:defRPr sz="1800" kern="1200">
+                          <a:solidFill>
+                            <a:schemeClr val="dk1"/>
+                          </a:solidFill>
+                          <a:latin typeface="Arial"/>
+                        </a:defRPr>
+                      </a:lvl2pPr>
+                      <a:lvl3pPr marL="914400" algn="l" defTabSz="914400" rtl="0" eaLnBrk="1" latinLnBrk="0" hangingPunct="1">
+                        <a:defRPr sz="1800" kern="1200">
+                          <a:solidFill>
+                            <a:schemeClr val="dk1"/>
+                          </a:solidFill>
+                          <a:latin typeface="Arial"/>
+                        </a:defRPr>
+                      </a:lvl3pPr>
+                      <a:lvl4pPr marL="1371600" algn="l" defTabSz="914400" rtl="0" eaLnBrk="1" latinLnBrk="0" hangingPunct="1">
+                        <a:defRPr sz="1800" kern="1200">
+                          <a:solidFill>
+                            <a:schemeClr val="dk1"/>
+                          </a:solidFill>
+                          <a:latin typeface="Arial"/>
+                        </a:defRPr>
+                      </a:lvl4pPr>
+                      <a:lvl5pPr marL="1828800" algn="l" defTabSz="914400" rtl="0" eaLnBrk="1" latinLnBrk="0" hangingPunct="1">
+                        <a:defRPr sz="1800" kern="1200">
+                          <a:solidFill>
+                            <a:schemeClr val="dk1"/>
+                          </a:solidFill>
+                          <a:latin typeface="Arial"/>
+                        </a:defRPr>
+                      </a:lvl5pPr>
+                      <a:lvl6pPr marL="2286000" algn="l" defTabSz="914400" rtl="0" eaLnBrk="1" latinLnBrk="0" hangingPunct="1">
+                        <a:defRPr sz="1800" kern="1200">
+                          <a:solidFill>
+                            <a:schemeClr val="dk1"/>
+                          </a:solidFill>
+                          <a:latin typeface="Arial"/>
+                        </a:defRPr>
+                      </a:lvl6pPr>
+                      <a:lvl7pPr marL="2743200" algn="l" defTabSz="914400" rtl="0" eaLnBrk="1" latinLnBrk="0" hangingPunct="1">
+                        <a:defRPr sz="1800" kern="1200">
+                          <a:solidFill>
+                            <a:schemeClr val="dk1"/>
+                          </a:solidFill>
+                          <a:latin typeface="Arial"/>
+                        </a:defRPr>
+                      </a:lvl7pPr>
+                      <a:lvl8pPr marL="3200400" algn="l" defTabSz="914400" rtl="0" eaLnBrk="1" latinLnBrk="0" hangingPunct="1">
+                        <a:defRPr sz="1800" kern="1200">
+                          <a:solidFill>
+                            <a:schemeClr val="dk1"/>
+                          </a:solidFill>
+                          <a:latin typeface="Arial"/>
+                        </a:defRPr>
+                      </a:lvl8pPr>
+                      <a:lvl9pPr marL="3657600" algn="l" defTabSz="914400" rtl="0" eaLnBrk="1" latinLnBrk="0" hangingPunct="1">
+                        <a:defRPr sz="1800" kern="1200">
+                          <a:solidFill>
+                            <a:schemeClr val="dk1"/>
+                          </a:solidFill>
+                          <a:latin typeface="Arial"/>
+                        </a:defRPr>
+                      </a:lvl9pPr>
+                    </a:lstStyle>
+                    <a:p>
+                      <a:pPr algn="ctr"/>
+                      <a:r>
+                        <a:rPr lang="en-US" sz="1400" b="0" i="0" u="none" strike="noStrike" cap="none" dirty="0">
+                          <a:solidFill>
+                            <a:srgbClr val="191919"/>
+                          </a:solidFill>
+                          <a:latin typeface="Fira Sans Medium"/>
+                          <a:sym typeface="Arial"/>
+                        </a:rPr>
+                        <a:t>Random Under Sampling</a:t>
+                      </a:r>
+                      <a:endParaRPr lang="id-ID" sz="1400" b="0" i="0" u="none" strike="noStrike" cap="none" dirty="0">
+                        <a:solidFill>
+                          <a:srgbClr val="191919"/>
+                        </a:solidFill>
+                        <a:latin typeface="Fira Sans Medium"/>
+                        <a:sym typeface="Arial"/>
+                      </a:endParaRPr>
+                    </a:p>
+                  </a:txBody>
+                  <a:tcPr anchor="ctr">
+                    <a:lnL w="38100" cap="flat" cmpd="sng" algn="ctr">
+                      <a:solidFill>
+                        <a:sysClr val="windowText" lastClr="000000"/>
+                      </a:solidFill>
+                      <a:prstDash val="solid"/>
+                      <a:round/>
+                      <a:headEnd type="none" w="med" len="med"/>
+                      <a:tailEnd type="none" w="med" len="med"/>
+                    </a:lnL>
+                    <a:lnR w="38100" cap="flat" cmpd="sng" algn="ctr">
+                      <a:solidFill>
+                        <a:sysClr val="windowText" lastClr="000000"/>
+                      </a:solidFill>
+                      <a:prstDash val="solid"/>
+                      <a:round/>
+                      <a:headEnd type="none" w="med" len="med"/>
+                      <a:tailEnd type="none" w="med" len="med"/>
+                    </a:lnR>
+                    <a:lnT w="38100" cap="flat" cmpd="sng" algn="ctr">
+                      <a:solidFill>
+                        <a:sysClr val="windowText" lastClr="000000"/>
+                      </a:solidFill>
+                      <a:prstDash val="solid"/>
+                      <a:round/>
+                      <a:headEnd type="none" w="med" len="med"/>
+                      <a:tailEnd type="none" w="med" len="med"/>
+                    </a:lnT>
+                    <a:lnB w="38100" cap="flat" cmpd="sng" algn="ctr">
+                      <a:solidFill>
+                        <a:sysClr val="windowText" lastClr="000000"/>
+                      </a:solidFill>
+                      <a:prstDash val="solid"/>
+                      <a:round/>
+                      <a:headEnd type="none" w="med" len="med"/>
+                      <a:tailEnd type="none" w="med" len="med"/>
+                    </a:lnB>
+                    <a:lnTlToBr w="12700" cmpd="sng">
+                      <a:noFill/>
+                      <a:prstDash val="solid"/>
+                    </a:lnTlToBr>
+                    <a:lnBlToTr w="12700" cmpd="sng">
+                      <a:noFill/>
+                      <a:prstDash val="solid"/>
+                    </a:lnBlToTr>
+                    <a:solidFill>
+                      <a:sysClr val="windowText" lastClr="000000">
+                        <a:tint val="20000"/>
+                      </a:sysClr>
+                    </a:solidFill>
+                  </a:tcPr>
+                </a:tc>
+                <a:tc>
+                  <a:txBody>
+                    <a:bodyPr/>
+                    <a:lstStyle/>
+                    <a:p>
+                      <a:pPr algn="ctr"/>
+                      <a:r>
+                        <a:rPr lang="en-US" sz="1400" b="0" i="0" u="none" strike="noStrike" cap="none" dirty="0">
+                          <a:solidFill>
+                            <a:srgbClr val="191919"/>
+                          </a:solidFill>
+                          <a:latin typeface="Fira Sans Medium"/>
+                          <a:sym typeface="Arial"/>
+                        </a:rPr>
+                        <a:t>50</a:t>
+                      </a:r>
+                      <a:endParaRPr lang="id-ID" sz="1400" b="0" i="0" u="none" strike="noStrike" cap="none" dirty="0">
+                        <a:solidFill>
+                          <a:srgbClr val="191919"/>
+                        </a:solidFill>
+                        <a:latin typeface="Fira Sans Medium"/>
+                        <a:sym typeface="Arial"/>
+                      </a:endParaRPr>
+                    </a:p>
+                  </a:txBody>
+                  <a:tcPr anchor="ctr">
+                    <a:lnL w="38100" cap="flat" cmpd="sng" algn="ctr">
+                      <a:solidFill>
+                        <a:sysClr val="windowText" lastClr="000000"/>
+                      </a:solidFill>
+                      <a:prstDash val="solid"/>
+                      <a:round/>
+                      <a:headEnd type="none" w="med" len="med"/>
+                      <a:tailEnd type="none" w="med" len="med"/>
+                    </a:lnL>
+                    <a:lnR w="38100" cap="flat" cmpd="sng" algn="ctr">
+                      <a:solidFill>
+                        <a:sysClr val="windowText" lastClr="000000"/>
+                      </a:solidFill>
+                      <a:prstDash val="solid"/>
+                      <a:round/>
+                      <a:headEnd type="none" w="med" len="med"/>
+                      <a:tailEnd type="none" w="med" len="med"/>
+                    </a:lnR>
+                    <a:lnT w="38100" cap="flat" cmpd="sng" algn="ctr">
+                      <a:solidFill>
+                        <a:sysClr val="windowText" lastClr="000000"/>
+                      </a:solidFill>
+                      <a:prstDash val="solid"/>
+                      <a:round/>
+                      <a:headEnd type="none" w="med" len="med"/>
+                      <a:tailEnd type="none" w="med" len="med"/>
+                    </a:lnT>
+                    <a:lnB w="38100" cap="flat" cmpd="sng" algn="ctr">
+                      <a:solidFill>
+                        <a:sysClr val="windowText" lastClr="000000"/>
+                      </a:solidFill>
+                      <a:prstDash val="solid"/>
+                      <a:round/>
+                      <a:headEnd type="none" w="med" len="med"/>
+                      <a:tailEnd type="none" w="med" len="med"/>
+                    </a:lnB>
+                    <a:lnTlToBr w="12700" cmpd="sng">
+                      <a:noFill/>
+                      <a:prstDash val="solid"/>
+                    </a:lnTlToBr>
+                    <a:lnBlToTr w="12700" cmpd="sng">
+                      <a:noFill/>
+                      <a:prstDash val="solid"/>
+                    </a:lnBlToTr>
+                    <a:solidFill>
+                      <a:sysClr val="windowText" lastClr="000000">
+                        <a:tint val="20000"/>
+                      </a:sysClr>
+                    </a:solidFill>
+                  </a:tcPr>
+                </a:tc>
+                <a:tc>
+                  <a:txBody>
+                    <a:bodyPr/>
+                    <a:lstStyle/>
+                    <a:p>
+                      <a:pPr marL="0" marR="0" lvl="0" indent="0" algn="ctr" defTabSz="914400" rtl="0" eaLnBrk="1" fontAlgn="auto" latinLnBrk="0" hangingPunct="1">
+                        <a:lnSpc>
+                          <a:spcPct val="100000"/>
+                        </a:lnSpc>
+                        <a:spcBef>
+                          <a:spcPts val="0"/>
+                        </a:spcBef>
+                        <a:spcAft>
+                          <a:spcPts val="0"/>
+                        </a:spcAft>
+                        <a:buClrTx/>
+                        <a:buSzTx/>
+                        <a:buFontTx/>
+                        <a:buNone/>
+                        <a:tabLst/>
+                        <a:defRPr/>
+                      </a:pPr>
+                      <a:r>
+                        <a:rPr lang="en-US" sz="1400" b="0" i="0" u="none" strike="noStrike" cap="none" dirty="0">
+                          <a:solidFill>
+                            <a:srgbClr val="191919"/>
+                          </a:solidFill>
+                          <a:latin typeface="Fira Sans Medium"/>
+                          <a:sym typeface="Arial"/>
+                        </a:rPr>
+                        <a:t>100</a:t>
+                      </a:r>
+                      <a:endParaRPr lang="id-ID" sz="1400" b="0" i="0" u="none" strike="noStrike" cap="none" dirty="0">
+                        <a:solidFill>
+                          <a:srgbClr val="191919"/>
+                        </a:solidFill>
+                        <a:latin typeface="Fira Sans Medium"/>
+                        <a:sym typeface="Arial"/>
+                      </a:endParaRPr>
+                    </a:p>
+                  </a:txBody>
+                  <a:tcPr anchor="ctr">
+                    <a:lnL w="38100" cap="flat" cmpd="sng" algn="ctr">
+                      <a:solidFill>
+                        <a:sysClr val="windowText" lastClr="000000"/>
+                      </a:solidFill>
+                      <a:prstDash val="solid"/>
+                      <a:round/>
+                      <a:headEnd type="none" w="med" len="med"/>
+                      <a:tailEnd type="none" w="med" len="med"/>
+                    </a:lnL>
+                    <a:lnR w="38100" cap="flat" cmpd="sng" algn="ctr">
+                      <a:solidFill>
+                        <a:sysClr val="windowText" lastClr="000000"/>
+                      </a:solidFill>
+                      <a:prstDash val="solid"/>
+                      <a:round/>
+                      <a:headEnd type="none" w="med" len="med"/>
+                      <a:tailEnd type="none" w="med" len="med"/>
+                    </a:lnR>
+                    <a:lnT w="38100" cap="flat" cmpd="sng" algn="ctr">
+                      <a:solidFill>
+                        <a:sysClr val="windowText" lastClr="000000"/>
+                      </a:solidFill>
+                      <a:prstDash val="solid"/>
+                      <a:round/>
+                      <a:headEnd type="none" w="med" len="med"/>
+                      <a:tailEnd type="none" w="med" len="med"/>
+                    </a:lnT>
+                    <a:lnB w="38100" cap="flat" cmpd="sng" algn="ctr">
+                      <a:solidFill>
+                        <a:sysClr val="windowText" lastClr="000000"/>
+                      </a:solidFill>
+                      <a:prstDash val="solid"/>
+                      <a:round/>
+                      <a:headEnd type="none" w="med" len="med"/>
+                      <a:tailEnd type="none" w="med" len="med"/>
+                    </a:lnB>
+                    <a:lnTlToBr w="12700" cmpd="sng">
+                      <a:noFill/>
+                      <a:prstDash val="solid"/>
+                    </a:lnTlToBr>
+                    <a:lnBlToTr w="12700" cmpd="sng">
+                      <a:noFill/>
+                      <a:prstDash val="solid"/>
+                    </a:lnBlToTr>
+                    <a:solidFill>
+                      <a:sysClr val="windowText" lastClr="000000">
+                        <a:tint val="20000"/>
+                      </a:sysClr>
+                    </a:solidFill>
+                  </a:tcPr>
+                </a:tc>
+                <a:tc>
+                  <a:txBody>
+                    <a:bodyPr/>
+                    <a:lstStyle/>
+                    <a:p>
+                      <a:pPr algn="ctr"/>
+                      <a:r>
+                        <a:rPr lang="en-US" sz="1400" b="0" i="0" u="none" strike="noStrike" cap="none" dirty="0">
+                          <a:solidFill>
+                            <a:srgbClr val="191919"/>
+                          </a:solidFill>
+                          <a:latin typeface="Fira Sans Medium"/>
+                          <a:sym typeface="Arial"/>
+                        </a:rPr>
+                        <a:t>50</a:t>
+                      </a:r>
+                      <a:endParaRPr lang="id-ID" sz="1400" b="0" i="0" u="none" strike="noStrike" cap="none" dirty="0">
+                        <a:solidFill>
+                          <a:srgbClr val="191919"/>
+                        </a:solidFill>
+                        <a:latin typeface="Fira Sans Medium"/>
+                        <a:sym typeface="Arial"/>
+                      </a:endParaRPr>
+                    </a:p>
+                  </a:txBody>
+                  <a:tcPr anchor="ctr">
+                    <a:lnL w="38100" cap="flat" cmpd="sng" algn="ctr">
+                      <a:solidFill>
+                        <a:sysClr val="windowText" lastClr="000000"/>
+                      </a:solidFill>
+                      <a:prstDash val="solid"/>
+                      <a:round/>
+                      <a:headEnd type="none" w="med" len="med"/>
+                      <a:tailEnd type="none" w="med" len="med"/>
+                    </a:lnL>
+                    <a:lnR w="38100" cap="flat" cmpd="sng" algn="ctr">
+                      <a:solidFill>
+                        <a:sysClr val="windowText" lastClr="000000"/>
+                      </a:solidFill>
+                      <a:prstDash val="solid"/>
+                      <a:round/>
+                      <a:headEnd type="none" w="med" len="med"/>
+                      <a:tailEnd type="none" w="med" len="med"/>
+                    </a:lnR>
+                    <a:lnT w="38100" cap="flat" cmpd="sng" algn="ctr">
+                      <a:solidFill>
+                        <a:sysClr val="windowText" lastClr="000000"/>
+                      </a:solidFill>
+                      <a:prstDash val="solid"/>
+                      <a:round/>
+                      <a:headEnd type="none" w="med" len="med"/>
+                      <a:tailEnd type="none" w="med" len="med"/>
+                    </a:lnT>
+                    <a:lnB w="38100" cap="flat" cmpd="sng" algn="ctr">
+                      <a:solidFill>
+                        <a:sysClr val="windowText" lastClr="000000"/>
+                      </a:solidFill>
+                      <a:prstDash val="solid"/>
+                      <a:round/>
+                      <a:headEnd type="none" w="med" len="med"/>
+                      <a:tailEnd type="none" w="med" len="med"/>
+                    </a:lnB>
+                    <a:lnTlToBr w="12700" cmpd="sng">
+                      <a:noFill/>
+                      <a:prstDash val="solid"/>
+                    </a:lnTlToBr>
+                    <a:lnBlToTr w="12700" cmpd="sng">
+                      <a:noFill/>
+                      <a:prstDash val="solid"/>
+                    </a:lnBlToTr>
+                    <a:solidFill>
+                      <a:sysClr val="windowText" lastClr="000000">
+                        <a:tint val="20000"/>
+                      </a:sysClr>
+                    </a:solidFill>
+                  </a:tcPr>
+                </a:tc>
+                <a:tc>
+                  <a:txBody>
+                    <a:bodyPr/>
+                    <a:lstStyle/>
+                    <a:p>
+                      <a:pPr marL="0" marR="0" lvl="0" indent="0" algn="ctr" defTabSz="914400" rtl="0" eaLnBrk="1" fontAlgn="auto" latinLnBrk="0" hangingPunct="1">
+                        <a:lnSpc>
+                          <a:spcPct val="100000"/>
+                        </a:lnSpc>
+                        <a:spcBef>
+                          <a:spcPts val="0"/>
+                        </a:spcBef>
+                        <a:spcAft>
+                          <a:spcPts val="0"/>
+                        </a:spcAft>
+                        <a:buClrTx/>
+                        <a:buSzTx/>
+                        <a:buFontTx/>
+                        <a:buNone/>
+                        <a:tabLst/>
+                        <a:defRPr/>
+                      </a:pPr>
+                      <a:r>
+                        <a:rPr lang="en-US" sz="1400" b="0" i="0" u="none" strike="noStrike" cap="none" dirty="0">
+                          <a:solidFill>
+                            <a:srgbClr val="191919"/>
+                          </a:solidFill>
+                          <a:latin typeface="Fira Sans Medium"/>
+                          <a:sym typeface="Arial"/>
+                        </a:rPr>
+                        <a:t>100</a:t>
+                      </a:r>
+                      <a:endParaRPr lang="id-ID" sz="1400" b="0" i="0" u="none" strike="noStrike" cap="none" dirty="0">
+                        <a:solidFill>
+                          <a:srgbClr val="191919"/>
+                        </a:solidFill>
+                        <a:latin typeface="Fira Sans Medium"/>
+                        <a:sym typeface="Arial"/>
+                      </a:endParaRPr>
+                    </a:p>
+                  </a:txBody>
+                  <a:tcPr anchor="ctr">
+                    <a:lnL w="38100" cap="flat" cmpd="sng" algn="ctr">
+                      <a:solidFill>
+                        <a:sysClr val="windowText" lastClr="000000"/>
+                      </a:solidFill>
+                      <a:prstDash val="solid"/>
+                      <a:round/>
+                      <a:headEnd type="none" w="med" len="med"/>
+                      <a:tailEnd type="none" w="med" len="med"/>
+                    </a:lnL>
+                    <a:lnR w="38100" cap="flat" cmpd="sng" algn="ctr">
+                      <a:solidFill>
+                        <a:sysClr val="windowText" lastClr="000000"/>
+                      </a:solidFill>
+                      <a:prstDash val="solid"/>
+                      <a:round/>
+                      <a:headEnd type="none" w="med" len="med"/>
+                      <a:tailEnd type="none" w="med" len="med"/>
+                    </a:lnR>
+                    <a:lnT w="38100" cap="flat" cmpd="sng" algn="ctr">
+                      <a:solidFill>
+                        <a:sysClr val="windowText" lastClr="000000"/>
+                      </a:solidFill>
+                      <a:prstDash val="solid"/>
+                      <a:round/>
+                      <a:headEnd type="none" w="med" len="med"/>
+                      <a:tailEnd type="none" w="med" len="med"/>
+                    </a:lnT>
+                    <a:lnB w="38100" cap="flat" cmpd="sng" algn="ctr">
+                      <a:solidFill>
+                        <a:sysClr val="windowText" lastClr="000000"/>
+                      </a:solidFill>
+                      <a:prstDash val="solid"/>
+                      <a:round/>
+                      <a:headEnd type="none" w="med" len="med"/>
+                      <a:tailEnd type="none" w="med" len="med"/>
+                    </a:lnB>
+                    <a:lnTlToBr w="12700" cmpd="sng">
+                      <a:noFill/>
+                      <a:prstDash val="solid"/>
+                    </a:lnTlToBr>
+                    <a:lnBlToTr w="12700" cmpd="sng">
+                      <a:noFill/>
+                      <a:prstDash val="solid"/>
+                    </a:lnBlToTr>
+                    <a:solidFill>
+                      <a:sysClr val="windowText" lastClr="000000">
+                        <a:tint val="20000"/>
+                      </a:sysClr>
+                    </a:solidFill>
+                  </a:tcPr>
+                </a:tc>
+                <a:extLst>
+                  <a:ext uri="{0D108BD9-81ED-4DB2-BD59-A6C34878D82A}">
+                    <a16:rowId xmlns:a16="http://schemas.microsoft.com/office/drawing/2014/main" val="3958083755"/>
                   </a:ext>
                 </a:extLst>
               </a:tr>
@@ -13498,7 +14686,7 @@
         </p:nvSpPr>
         <p:spPr>
           <a:xfrm>
-            <a:off x="8271852" y="2648012"/>
+            <a:off x="8180412" y="2363546"/>
             <a:ext cx="1473200" cy="2137347"/>
           </a:xfrm>
           <a:prstGeom prst="rightBrace">
@@ -13571,7 +14759,7 @@
         </p:nvSpPr>
         <p:spPr>
           <a:xfrm>
-            <a:off x="9204490" y="3429000"/>
+            <a:off x="9123210" y="3121223"/>
             <a:ext cx="3568015" cy="615553"/>
           </a:xfrm>
           <a:prstGeom prst="rect">
@@ -13639,8 +14827,8 @@
         </p:nvSpPr>
         <p:spPr>
           <a:xfrm>
-            <a:off x="3284484" y="2443524"/>
-            <a:ext cx="4647936" cy="513036"/>
+            <a:off x="3213364" y="2263945"/>
+            <a:ext cx="4647936" cy="382227"/>
           </a:xfrm>
           <a:prstGeom prst="roundRect">
             <a:avLst/>
@@ -13709,8 +14897,8 @@
         </p:nvSpPr>
         <p:spPr>
           <a:xfrm>
-            <a:off x="3294644" y="4545372"/>
-            <a:ext cx="4647937" cy="513036"/>
+            <a:off x="3286323" y="3915453"/>
+            <a:ext cx="4647937" cy="382227"/>
           </a:xfrm>
           <a:prstGeom prst="roundRect">
             <a:avLst/>
